--- a/Asynchronous_Ignition_Presentation.pptx
+++ b/Asynchronous_Ignition_Presentation.pptx
@@ -110,6 +110,11 @@
       </a:defRPr>
     </a:lvl9pPr>
   </p:defaultTextStyle>
+  <p:extLst>
+    <p:ext uri="{EFAFB233-063F-42B5-8137-9DF3F51BA10A}">
+      <p15:sldGuideLst xmlns:p15="http://schemas.microsoft.com/office/powerpoint/2012/main"/>
+    </p:ext>
+  </p:extLst>
 </p:presentation>
 </file>
 
@@ -3620,10 +3625,10 @@
       </p:sp>
       <p:pic>
         <p:nvPicPr>
-          <p:cNvPr id="9" name="Picture 8" descr="Chart, line chart&#10;&#10;Description automatically generated">
+          <p:cNvPr id="4" name="Picture 3" descr="Chart&#10;&#10;Description automatically generated">
             <a:extLst>
               <a:ext uri="{FF2B5EF4-FFF2-40B4-BE49-F238E27FC236}">
-                <a16:creationId xmlns:a16="http://schemas.microsoft.com/office/drawing/2014/main" id="{EB1BBDC9-FA62-4CA6-8371-26A1F6EC44D5}"/>
+                <a16:creationId xmlns:a16="http://schemas.microsoft.com/office/drawing/2014/main" id="{93BCC17E-F3B7-44C8-9F27-9593FEE5AC20}"/>
               </a:ext>
             </a:extLst>
           </p:cNvPr>
@@ -3632,7 +3637,7 @@
           </p:cNvPicPr>
           <p:nvPr/>
         </p:nvPicPr>
-        <p:blipFill>
+        <p:blipFill rotWithShape="1">
           <a:blip r:embed="rId2">
             <a:extLst>
               <a:ext uri="{28A0092B-C50C-407E-A947-70E740481C1C}">
@@ -3640,50 +3645,13 @@
               </a:ext>
             </a:extLst>
           </a:blip>
-          <a:stretch>
-            <a:fillRect/>
-          </a:stretch>
+          <a:srcRect t="597"/>
+          <a:stretch/>
         </p:blipFill>
         <p:spPr>
           <a:xfrm>
-            <a:off x="239698" y="1573954"/>
-            <a:ext cx="5681707" cy="4261280"/>
-          </a:xfrm>
-          <a:prstGeom prst="rect">
-            <a:avLst/>
-          </a:prstGeom>
-        </p:spPr>
-      </p:pic>
-      <p:pic>
-        <p:nvPicPr>
-          <p:cNvPr id="10" name="Picture 9" descr="Chart, line chart&#10;&#10;Description automatically generated">
-            <a:extLst>
-              <a:ext uri="{FF2B5EF4-FFF2-40B4-BE49-F238E27FC236}">
-                <a16:creationId xmlns:a16="http://schemas.microsoft.com/office/drawing/2014/main" id="{28959FEA-F9EC-4444-A9FC-2E2AB05746B0}"/>
-              </a:ext>
-            </a:extLst>
-          </p:cNvPr>
-          <p:cNvPicPr>
-            <a:picLocks noChangeAspect="1"/>
-          </p:cNvPicPr>
-          <p:nvPr/>
-        </p:nvPicPr>
-        <p:blipFill>
-          <a:blip r:embed="rId3">
-            <a:extLst>
-              <a:ext uri="{28A0092B-C50C-407E-A947-70E740481C1C}">
-                <a14:useLocalDpi xmlns:a14="http://schemas.microsoft.com/office/drawing/2010/main" val="0"/>
-              </a:ext>
-            </a:extLst>
-          </a:blip>
-          <a:stretch>
-            <a:fillRect/>
-          </a:stretch>
-        </p:blipFill>
-        <p:spPr>
-          <a:xfrm>
-            <a:off x="6270596" y="1573954"/>
-            <a:ext cx="5681708" cy="4261280"/>
+            <a:off x="1797368" y="1463040"/>
+            <a:ext cx="8597262" cy="5292867"/>
           </a:xfrm>
           <a:prstGeom prst="rect">
             <a:avLst/>
@@ -3757,10 +3725,10 @@
       </p:sp>
       <p:pic>
         <p:nvPicPr>
-          <p:cNvPr id="7" name="Picture 6" descr="Chart, line chart&#10;&#10;Description automatically generated">
+          <p:cNvPr id="4" name="Picture 3" descr="Graphical user interface, chart&#10;&#10;Description automatically generated">
             <a:extLst>
               <a:ext uri="{FF2B5EF4-FFF2-40B4-BE49-F238E27FC236}">
-                <a16:creationId xmlns:a16="http://schemas.microsoft.com/office/drawing/2014/main" id="{0D685622-0DC7-4925-AC9B-4A3A671E08F8}"/>
+                <a16:creationId xmlns:a16="http://schemas.microsoft.com/office/drawing/2014/main" id="{E0F637C8-75CA-4D4F-8D18-F7079F33FE74}"/>
               </a:ext>
             </a:extLst>
           </p:cNvPr>
@@ -3783,8 +3751,8 @@
         </p:blipFill>
         <p:spPr>
           <a:xfrm>
-            <a:off x="2726924" y="1299038"/>
-            <a:ext cx="6738151" cy="5053614"/>
+            <a:off x="1718544" y="1299038"/>
+            <a:ext cx="8754909" cy="5416794"/>
           </a:xfrm>
           <a:prstGeom prst="rect">
             <a:avLst/>
@@ -3858,10 +3826,10 @@
       </p:sp>
       <p:pic>
         <p:nvPicPr>
-          <p:cNvPr id="4" name="Picture 3" descr="Chart, line chart&#10;&#10;Description automatically generated">
+          <p:cNvPr id="5" name="Picture 4" descr="Chart, line chart&#10;&#10;Description automatically generated">
             <a:extLst>
               <a:ext uri="{FF2B5EF4-FFF2-40B4-BE49-F238E27FC236}">
-                <a16:creationId xmlns:a16="http://schemas.microsoft.com/office/drawing/2014/main" id="{4072BC44-C8F5-4C54-9F28-F14255B93BDB}"/>
+                <a16:creationId xmlns:a16="http://schemas.microsoft.com/office/drawing/2014/main" id="{53E50505-1398-488E-987F-23E0C6A24D8A}"/>
               </a:ext>
             </a:extLst>
           </p:cNvPr>
@@ -3884,44 +3852,8 @@
         </p:blipFill>
         <p:spPr>
           <a:xfrm>
-            <a:off x="239696" y="1573954"/>
-            <a:ext cx="5681707" cy="4261280"/>
-          </a:xfrm>
-          <a:prstGeom prst="rect">
-            <a:avLst/>
-          </a:prstGeom>
-        </p:spPr>
-      </p:pic>
-      <p:pic>
-        <p:nvPicPr>
-          <p:cNvPr id="6" name="Picture 5" descr="Chart, line chart&#10;&#10;Description automatically generated">
-            <a:extLst>
-              <a:ext uri="{FF2B5EF4-FFF2-40B4-BE49-F238E27FC236}">
-                <a16:creationId xmlns:a16="http://schemas.microsoft.com/office/drawing/2014/main" id="{073C13AA-3045-4897-B453-9492B1CF8448}"/>
-              </a:ext>
-            </a:extLst>
-          </p:cNvPr>
-          <p:cNvPicPr>
-            <a:picLocks noChangeAspect="1"/>
-          </p:cNvPicPr>
-          <p:nvPr/>
-        </p:nvPicPr>
-        <p:blipFill>
-          <a:blip r:embed="rId3">
-            <a:extLst>
-              <a:ext uri="{28A0092B-C50C-407E-A947-70E740481C1C}">
-                <a14:useLocalDpi xmlns:a14="http://schemas.microsoft.com/office/drawing/2010/main" val="0"/>
-              </a:ext>
-            </a:extLst>
-          </a:blip>
-          <a:stretch>
-            <a:fillRect/>
-          </a:stretch>
-        </p:blipFill>
-        <p:spPr>
-          <a:xfrm>
-            <a:off x="6270599" y="1573955"/>
-            <a:ext cx="5681705" cy="4261279"/>
+            <a:off x="1781622" y="1431228"/>
+            <a:ext cx="8628756" cy="5335888"/>
           </a:xfrm>
           <a:prstGeom prst="rect">
             <a:avLst/>
@@ -3995,10 +3927,10 @@
       </p:sp>
       <p:pic>
         <p:nvPicPr>
-          <p:cNvPr id="4" name="Picture 3" descr="Chart, line chart&#10;&#10;Description automatically generated">
+          <p:cNvPr id="5" name="Picture 4" descr="Chart, line chart&#10;&#10;Description automatically generated">
             <a:extLst>
               <a:ext uri="{FF2B5EF4-FFF2-40B4-BE49-F238E27FC236}">
-                <a16:creationId xmlns:a16="http://schemas.microsoft.com/office/drawing/2014/main" id="{C55E92C1-8E45-4297-BC9E-28196D5D34C4}"/>
+                <a16:creationId xmlns:a16="http://schemas.microsoft.com/office/drawing/2014/main" id="{2F637B87-D184-4332-A1A3-8F8D23A2C172}"/>
               </a:ext>
             </a:extLst>
           </p:cNvPr>
@@ -4021,8 +3953,8 @@
         </p:blipFill>
         <p:spPr>
           <a:xfrm>
-            <a:off x="2726923" y="1299038"/>
-            <a:ext cx="6738152" cy="5053614"/>
+            <a:off x="1645094" y="1299038"/>
+            <a:ext cx="8901812" cy="5510054"/>
           </a:xfrm>
           <a:prstGeom prst="rect">
             <a:avLst/>
@@ -4083,20 +4015,20 @@
         </p:spPr>
         <p:txBody>
           <a:bodyPr>
-            <a:normAutofit/>
+            <a:normAutofit fontScale="90000"/>
           </a:bodyPr>
           <a:lstStyle/>
           <a:p>
             <a:r>
               <a:rPr lang="en-US" sz="2400" dirty="0"/>
-              <a:t>1 s delay on booster one</a:t>
+              <a:t>0.1 s delay on booster one</a:t>
             </a:r>
             <a:br>
               <a:rPr lang="en-US" sz="2400" dirty="0"/>
             </a:br>
             <a:r>
               <a:rPr lang="en-US" sz="2400" dirty="0"/>
-              <a:t>2 s delay on booster two</a:t>
+              <a:t>0.1 s delay on booster two</a:t>
             </a:r>
           </a:p>
         </p:txBody>
@@ -4157,10 +4089,10 @@
       </p:sp>
       <p:pic>
         <p:nvPicPr>
-          <p:cNvPr id="4" name="Picture 3" descr="Chart, line chart&#10;&#10;Description automatically generated">
+          <p:cNvPr id="6" name="Picture 5" descr="Chart, line chart&#10;&#10;Description automatically generated">
             <a:extLst>
               <a:ext uri="{FF2B5EF4-FFF2-40B4-BE49-F238E27FC236}">
-                <a16:creationId xmlns:a16="http://schemas.microsoft.com/office/drawing/2014/main" id="{1D87585F-37C4-4A2A-BCE4-86E27B049828}"/>
+                <a16:creationId xmlns:a16="http://schemas.microsoft.com/office/drawing/2014/main" id="{57B44EEC-CB6E-4780-BAFF-9D685DAF6CFA}"/>
               </a:ext>
             </a:extLst>
           </p:cNvPr>
@@ -4169,7 +4101,7 @@
           </p:cNvPicPr>
           <p:nvPr/>
         </p:nvPicPr>
-        <p:blipFill>
+        <p:blipFill rotWithShape="1">
           <a:blip r:embed="rId2">
             <a:extLst>
               <a:ext uri="{28A0092B-C50C-407E-A947-70E740481C1C}">
@@ -4177,50 +4109,13 @@
               </a:ext>
             </a:extLst>
           </a:blip>
-          <a:stretch>
-            <a:fillRect/>
-          </a:stretch>
+          <a:srcRect t="711" b="218"/>
+          <a:stretch/>
         </p:blipFill>
         <p:spPr>
           <a:xfrm>
-            <a:off x="239696" y="1573952"/>
-            <a:ext cx="5681709" cy="4261282"/>
-          </a:xfrm>
-          <a:prstGeom prst="rect">
-            <a:avLst/>
-          </a:prstGeom>
-        </p:spPr>
-      </p:pic>
-      <p:pic>
-        <p:nvPicPr>
-          <p:cNvPr id="7" name="Picture 6" descr="Chart, line chart&#10;&#10;Description automatically generated">
-            <a:extLst>
-              <a:ext uri="{FF2B5EF4-FFF2-40B4-BE49-F238E27FC236}">
-                <a16:creationId xmlns:a16="http://schemas.microsoft.com/office/drawing/2014/main" id="{42B84AEB-48BC-4BD4-9A4C-26F18FA0396B}"/>
-              </a:ext>
-            </a:extLst>
-          </p:cNvPr>
-          <p:cNvPicPr>
-            <a:picLocks noChangeAspect="1"/>
-          </p:cNvPicPr>
-          <p:nvPr/>
-        </p:nvPicPr>
-        <p:blipFill>
-          <a:blip r:embed="rId3">
-            <a:extLst>
-              <a:ext uri="{28A0092B-C50C-407E-A947-70E740481C1C}">
-                <a14:useLocalDpi xmlns:a14="http://schemas.microsoft.com/office/drawing/2010/main" val="0"/>
-              </a:ext>
-            </a:extLst>
-          </a:blip>
-          <a:stretch>
-            <a:fillRect/>
-          </a:stretch>
-        </p:blipFill>
-        <p:spPr>
-          <a:xfrm>
-            <a:off x="6270597" y="1573952"/>
-            <a:ext cx="5681710" cy="4261282"/>
+            <a:off x="1653987" y="1431229"/>
+            <a:ext cx="8357283" cy="5142292"/>
           </a:xfrm>
           <a:prstGeom prst="rect">
             <a:avLst/>
@@ -4281,20 +4176,20 @@
         </p:spPr>
         <p:txBody>
           <a:bodyPr>
-            <a:normAutofit/>
+            <a:normAutofit fontScale="90000"/>
           </a:bodyPr>
           <a:lstStyle/>
           <a:p>
             <a:r>
               <a:rPr lang="en-US" sz="2400" dirty="0"/>
-              <a:t>1 s delay on booster one</a:t>
+              <a:t>0.1 s delay on booster one</a:t>
             </a:r>
             <a:br>
               <a:rPr lang="en-US" sz="2400" dirty="0"/>
             </a:br>
             <a:r>
               <a:rPr lang="en-US" sz="2400" dirty="0"/>
-              <a:t>2 s delay on booster two</a:t>
+              <a:t>0.1 s delay on booster two</a:t>
             </a:r>
           </a:p>
         </p:txBody>
@@ -4355,10 +4250,10 @@
       </p:sp>
       <p:pic>
         <p:nvPicPr>
-          <p:cNvPr id="9" name="Picture 8" descr="Chart, line chart&#10;&#10;Description automatically generated">
+          <p:cNvPr id="3" name="Picture 2" descr="Graphical user interface, chart, line chart&#10;&#10;Description automatically generated">
             <a:extLst>
               <a:ext uri="{FF2B5EF4-FFF2-40B4-BE49-F238E27FC236}">
-                <a16:creationId xmlns:a16="http://schemas.microsoft.com/office/drawing/2014/main" id="{507B6596-898D-4033-BD0F-84C0C179E4DE}"/>
+                <a16:creationId xmlns:a16="http://schemas.microsoft.com/office/drawing/2014/main" id="{6262E377-82F6-4C37-BC35-83D6C9EF78C3}"/>
               </a:ext>
             </a:extLst>
           </p:cNvPr>
@@ -4367,7 +4262,7 @@
           </p:cNvPicPr>
           <p:nvPr/>
         </p:nvPicPr>
-        <p:blipFill>
+        <p:blipFill rotWithShape="1">
           <a:blip r:embed="rId2">
             <a:extLst>
               <a:ext uri="{28A0092B-C50C-407E-A947-70E740481C1C}">
@@ -4375,14 +4270,13 @@
               </a:ext>
             </a:extLst>
           </a:blip>
-          <a:stretch>
-            <a:fillRect/>
-          </a:stretch>
+          <a:srcRect r="494"/>
+          <a:stretch/>
         </p:blipFill>
         <p:spPr>
           <a:xfrm>
-            <a:off x="2463553" y="1431228"/>
-            <a:ext cx="6738151" cy="5053613"/>
+            <a:off x="1618531" y="1431228"/>
+            <a:ext cx="8386603" cy="5178912"/>
           </a:xfrm>
           <a:prstGeom prst="rect">
             <a:avLst/>
